--- a/PPT/Heart attack Detection device.pptx
+++ b/PPT/Heart attack Detection device.pptx
@@ -3280,7 +3280,7 @@
           <a:p>
             <a:fld id="{966D5B4E-BF3E-3B45-A4BA-D6C3B92870D7}" type="datetimeFigureOut">
               <a:rPr lang="en-US" smtClean="0"/>
-              <a:t>6/10/2022</a:t>
+              <a:t>6/14/2022</a:t>
             </a:fld>
             <a:endParaRPr lang="en-US" dirty="0"/>
           </a:p>
@@ -3457,7 +3457,7 @@
           <a:p>
             <a:fld id="{F5A8621B-8C8E-49BA-8772-41D0FE75A082}" type="datetimeFigureOut">
               <a:rPr lang="en-US" smtClean="0"/>
-              <a:t>6/10/2022</a:t>
+              <a:t>6/14/2022</a:t>
             </a:fld>
             <a:endParaRPr lang="en-US" dirty="0"/>
           </a:p>
@@ -5195,7 +5195,7 @@
           <a:p>
             <a:fld id="{8DFFE9F9-90A0-4A41-99DA-66473C299299}" type="datetimeFigureOut">
               <a:rPr lang="en-IN" smtClean="0"/>
-              <a:t>10-06-2022</a:t>
+              <a:t>14-06-2022</a:t>
             </a:fld>
             <a:endParaRPr lang="en-IN"/>
           </a:p>
@@ -5417,7 +5417,7 @@
           <a:p>
             <a:fld id="{8DFFE9F9-90A0-4A41-99DA-66473C299299}" type="datetimeFigureOut">
               <a:rPr lang="en-IN" smtClean="0"/>
-              <a:t>10-06-2022</a:t>
+              <a:t>14-06-2022</a:t>
             </a:fld>
             <a:endParaRPr lang="en-IN"/>
           </a:p>
@@ -8974,7 +8974,7 @@
           <a:p>
             <a:fld id="{8DFFE9F9-90A0-4A41-99DA-66473C299299}" type="datetimeFigureOut">
               <a:rPr lang="en-IN" smtClean="0"/>
-              <a:t>10-06-2022</a:t>
+              <a:t>14-06-2022</a:t>
             </a:fld>
             <a:endParaRPr lang="en-IN"/>
           </a:p>
@@ -11562,6 +11562,41 @@
                 <a:latin typeface="Calibri" panose="020F0502020204030204" pitchFamily="34" charset="0"/>
               </a:rPr>
               <a:t>‌</a:t>
+            </a:r>
+          </a:p>
+        </p:txBody>
+      </p:sp>
+      <p:sp>
+        <p:nvSpPr>
+          <p:cNvPr id="3" name="TextBox 2">
+            <a:extLst>
+              <a:ext uri="{FF2B5EF4-FFF2-40B4-BE49-F238E27FC236}">
+                <a16:creationId xmlns:a16="http://schemas.microsoft.com/office/drawing/2014/main" id="{6FB7E97D-18CC-CE8A-7E16-DDAACC2206CE}"/>
+              </a:ext>
+            </a:extLst>
+          </p:cNvPr>
+          <p:cNvSpPr txBox="1"/>
+          <p:nvPr/>
+        </p:nvSpPr>
+        <p:spPr>
+          <a:xfrm>
+            <a:off x="1686513" y="5924129"/>
+            <a:ext cx="2976466" cy="307777"/>
+          </a:xfrm>
+          <a:prstGeom prst="rect">
+            <a:avLst/>
+          </a:prstGeom>
+          <a:noFill/>
+        </p:spPr>
+        <p:txBody>
+          <a:bodyPr wrap="square" rtlCol="0">
+            <a:spAutoFit/>
+          </a:bodyPr>
+          <a:lstStyle/>
+          <a:p>
+            <a:r>
+              <a:rPr lang="en-IN" sz="1400" dirty="0"/>
+              <a:t>https://unsplash.com/</a:t>
             </a:r>
           </a:p>
         </p:txBody>
@@ -16493,21 +16528,21 @@
 </file>
 
 <file path=customXml/item1.xml><?xml version="1.0" encoding="utf-8"?>
+<p:properties xmlns:p="http://schemas.microsoft.com/office/2006/metadata/properties" xmlns:xsi="http://www.w3.org/2001/XMLSchema-instance" xmlns:pc="http://schemas.microsoft.com/office/infopath/2007/PartnerControls">
+  <documentManagement>
+    <Status xmlns="71af3243-3dd4-4a8d-8c0d-dd76da1f02a5">Not started</Status>
+    <MediaServiceKeyPoints xmlns="71af3243-3dd4-4a8d-8c0d-dd76da1f02a5" xsi:nil="true"/>
+  </documentManagement>
+</p:properties>
+</file>
+
+<file path=customXml/item2.xml><?xml version="1.0" encoding="utf-8"?>
 <?mso-contentType ?>
 <FormTemplates xmlns="http://schemas.microsoft.com/sharepoint/v3/contenttype/forms">
   <Display>DocumentLibraryForm</Display>
   <Edit>DocumentLibraryForm</Edit>
   <New>DocumentLibraryForm</New>
 </FormTemplates>
-</file>
-
-<file path=customXml/item2.xml><?xml version="1.0" encoding="utf-8"?>
-<p:properties xmlns:p="http://schemas.microsoft.com/office/2006/metadata/properties" xmlns:xsi="http://www.w3.org/2001/XMLSchema-instance" xmlns:pc="http://schemas.microsoft.com/office/infopath/2007/PartnerControls">
-  <documentManagement>
-    <Status xmlns="71af3243-3dd4-4a8d-8c0d-dd76da1f02a5">Not started</Status>
-    <MediaServiceKeyPoints xmlns="71af3243-3dd4-4a8d-8c0d-dd76da1f02a5" xsi:nil="true"/>
-  </documentManagement>
-</p:properties>
 </file>
 
 <file path=customXml/item3.xml><?xml version="1.0" encoding="utf-8"?>
@@ -16732,19 +16767,19 @@
 </file>
 
 <file path=customXml/itemProps1.xml><?xml version="1.0" encoding="utf-8"?>
-<ds:datastoreItem xmlns:ds="http://schemas.openxmlformats.org/officeDocument/2006/customXml" ds:itemID="{1B7E2D32-4FDD-4266-880C-17595B801432}">
+<ds:datastoreItem xmlns:ds="http://schemas.openxmlformats.org/officeDocument/2006/customXml" ds:itemID="{E3D9F223-918A-45AF-9B53-56AB9E5E2182}">
   <ds:schemaRefs>
-    <ds:schemaRef ds:uri="http://schemas.microsoft.com/sharepoint/v3/contenttype/forms"/>
+    <ds:schemaRef ds:uri="http://schemas.microsoft.com/office/2006/metadata/properties"/>
+    <ds:schemaRef ds:uri="http://schemas.microsoft.com/office/infopath/2007/PartnerControls"/>
+    <ds:schemaRef ds:uri="71af3243-3dd4-4a8d-8c0d-dd76da1f02a5"/>
   </ds:schemaRefs>
 </ds:datastoreItem>
 </file>
 
 <file path=customXml/itemProps2.xml><?xml version="1.0" encoding="utf-8"?>
-<ds:datastoreItem xmlns:ds="http://schemas.openxmlformats.org/officeDocument/2006/customXml" ds:itemID="{E3D9F223-918A-45AF-9B53-56AB9E5E2182}">
+<ds:datastoreItem xmlns:ds="http://schemas.openxmlformats.org/officeDocument/2006/customXml" ds:itemID="{1B7E2D32-4FDD-4266-880C-17595B801432}">
   <ds:schemaRefs>
-    <ds:schemaRef ds:uri="http://schemas.microsoft.com/office/2006/metadata/properties"/>
-    <ds:schemaRef ds:uri="http://schemas.microsoft.com/office/infopath/2007/PartnerControls"/>
-    <ds:schemaRef ds:uri="71af3243-3dd4-4a8d-8c0d-dd76da1f02a5"/>
+    <ds:schemaRef ds:uri="http://schemas.microsoft.com/sharepoint/v3/contenttype/forms"/>
   </ds:schemaRefs>
 </ds:datastoreItem>
 </file>
